--- a/Mészáros Levente/EZ VAGYOK  ÉN.pptx
+++ b/Mészáros Levente/EZ VAGYOK  ÉN.pptx
@@ -10,7 +10,8 @@
     <p:sldId id="261" r:id="rId4"/>
     <p:sldId id="258" r:id="rId5"/>
     <p:sldId id="259" r:id="rId6"/>
-    <p:sldId id="260" r:id="rId7"/>
+    <p:sldId id="262" r:id="rId7"/>
+    <p:sldId id="260" r:id="rId8"/>
   </p:sldIdLst>
   <p:sldSz cx="12192000" cy="6858000"/>
   <p:notesSz cx="6858000" cy="9144000"/>
@@ -109,6 +110,11 @@
       </a:defRPr>
     </a:lvl9pPr>
   </p:defaultTextStyle>
+  <p:extLst>
+    <p:ext uri="{EFAFB233-063F-42B5-8137-9DF3F51BA10A}">
+      <p15:sldGuideLst xmlns:p15="http://schemas.microsoft.com/office/powerpoint/2012/main"/>
+    </p:ext>
+  </p:extLst>
 </p:presentation>
 </file>
 
@@ -834,7 +840,7 @@
           <a:p>
             <a:fld id="{C0A0C0F1-B737-468F-9C30-EA6B0215A713}" type="datetimeFigureOut">
               <a:rPr lang="hu-HU" smtClean="0"/>
-              <a:t>2021. 09. 13.</a:t>
+              <a:t>2021. 09. 16.</a:t>
             </a:fld>
             <a:endParaRPr lang="hu-HU"/>
           </a:p>
@@ -1085,7 +1091,7 @@
           <a:p>
             <a:fld id="{C0A0C0F1-B737-468F-9C30-EA6B0215A713}" type="datetimeFigureOut">
               <a:rPr lang="hu-HU" smtClean="0"/>
-              <a:t>2021. 09. 13.</a:t>
+              <a:t>2021. 09. 16.</a:t>
             </a:fld>
             <a:endParaRPr lang="hu-HU"/>
           </a:p>
@@ -1399,7 +1405,7 @@
           <a:p>
             <a:fld id="{C0A0C0F1-B737-468F-9C30-EA6B0215A713}" type="datetimeFigureOut">
               <a:rPr lang="hu-HU" smtClean="0"/>
-              <a:t>2021. 09. 13.</a:t>
+              <a:t>2021. 09. 16.</a:t>
             </a:fld>
             <a:endParaRPr lang="hu-HU"/>
           </a:p>
@@ -1740,7 +1746,7 @@
           <a:p>
             <a:fld id="{C0A0C0F1-B737-468F-9C30-EA6B0215A713}" type="datetimeFigureOut">
               <a:rPr lang="hu-HU" smtClean="0"/>
-              <a:t>2021. 09. 13.</a:t>
+              <a:t>2021. 09. 16.</a:t>
             </a:fld>
             <a:endParaRPr lang="hu-HU"/>
           </a:p>
@@ -2054,7 +2060,7 @@
           <a:p>
             <a:fld id="{C0A0C0F1-B737-468F-9C30-EA6B0215A713}" type="datetimeFigureOut">
               <a:rPr lang="hu-HU" smtClean="0"/>
-              <a:t>2021. 09. 13.</a:t>
+              <a:t>2021. 09. 16.</a:t>
             </a:fld>
             <a:endParaRPr lang="hu-HU"/>
           </a:p>
@@ -2447,7 +2453,7 @@
           <a:p>
             <a:fld id="{C0A0C0F1-B737-468F-9C30-EA6B0215A713}" type="datetimeFigureOut">
               <a:rPr lang="hu-HU" smtClean="0"/>
-              <a:t>2021. 09. 13.</a:t>
+              <a:t>2021. 09. 16.</a:t>
             </a:fld>
             <a:endParaRPr lang="hu-HU"/>
           </a:p>
@@ -2617,7 +2623,7 @@
           <a:p>
             <a:fld id="{C0A0C0F1-B737-468F-9C30-EA6B0215A713}" type="datetimeFigureOut">
               <a:rPr lang="hu-HU" smtClean="0"/>
-              <a:t>2021. 09. 13.</a:t>
+              <a:t>2021. 09. 16.</a:t>
             </a:fld>
             <a:endParaRPr lang="hu-HU"/>
           </a:p>
@@ -2797,7 +2803,7 @@
           <a:p>
             <a:fld id="{C0A0C0F1-B737-468F-9C30-EA6B0215A713}" type="datetimeFigureOut">
               <a:rPr lang="hu-HU" smtClean="0"/>
-              <a:t>2021. 09. 13.</a:t>
+              <a:t>2021. 09. 16.</a:t>
             </a:fld>
             <a:endParaRPr lang="hu-HU"/>
           </a:p>
@@ -2973,7 +2979,7 @@
           <a:p>
             <a:fld id="{C0A0C0F1-B737-468F-9C30-EA6B0215A713}" type="datetimeFigureOut">
               <a:rPr lang="hu-HU" smtClean="0"/>
-              <a:t>2021. 09. 13.</a:t>
+              <a:t>2021. 09. 16.</a:t>
             </a:fld>
             <a:endParaRPr lang="hu-HU"/>
           </a:p>
@@ -3220,7 +3226,7 @@
           <a:p>
             <a:fld id="{C0A0C0F1-B737-468F-9C30-EA6B0215A713}" type="datetimeFigureOut">
               <a:rPr lang="hu-HU" smtClean="0"/>
-              <a:t>2021. 09. 13.</a:t>
+              <a:t>2021. 09. 16.</a:t>
             </a:fld>
             <a:endParaRPr lang="hu-HU"/>
           </a:p>
@@ -3452,7 +3458,7 @@
           <a:p>
             <a:fld id="{C0A0C0F1-B737-468F-9C30-EA6B0215A713}" type="datetimeFigureOut">
               <a:rPr lang="hu-HU" smtClean="0"/>
-              <a:t>2021. 09. 13.</a:t>
+              <a:t>2021. 09. 16.</a:t>
             </a:fld>
             <a:endParaRPr lang="hu-HU"/>
           </a:p>
@@ -3826,7 +3832,7 @@
           <a:p>
             <a:fld id="{C0A0C0F1-B737-468F-9C30-EA6B0215A713}" type="datetimeFigureOut">
               <a:rPr lang="hu-HU" smtClean="0"/>
-              <a:t>2021. 09. 13.</a:t>
+              <a:t>2021. 09. 16.</a:t>
             </a:fld>
             <a:endParaRPr lang="hu-HU"/>
           </a:p>
@@ -3949,7 +3955,7 @@
           <a:p>
             <a:fld id="{C0A0C0F1-B737-468F-9C30-EA6B0215A713}" type="datetimeFigureOut">
               <a:rPr lang="hu-HU" smtClean="0"/>
-              <a:t>2021. 09. 13.</a:t>
+              <a:t>2021. 09. 16.</a:t>
             </a:fld>
             <a:endParaRPr lang="hu-HU"/>
           </a:p>
@@ -4044,7 +4050,7 @@
           <a:p>
             <a:fld id="{C0A0C0F1-B737-468F-9C30-EA6B0215A713}" type="datetimeFigureOut">
               <a:rPr lang="hu-HU" smtClean="0"/>
-              <a:t>2021. 09. 13.</a:t>
+              <a:t>2021. 09. 16.</a:t>
             </a:fld>
             <a:endParaRPr lang="hu-HU"/>
           </a:p>
@@ -4299,7 +4305,7 @@
           <a:p>
             <a:fld id="{C0A0C0F1-B737-468F-9C30-EA6B0215A713}" type="datetimeFigureOut">
               <a:rPr lang="hu-HU" smtClean="0"/>
-              <a:t>2021. 09. 13.</a:t>
+              <a:t>2021. 09. 16.</a:t>
             </a:fld>
             <a:endParaRPr lang="hu-HU"/>
           </a:p>
@@ -4562,7 +4568,7 @@
           <a:p>
             <a:fld id="{C0A0C0F1-B737-468F-9C30-EA6B0215A713}" type="datetimeFigureOut">
               <a:rPr lang="hu-HU" smtClean="0"/>
-              <a:t>2021. 09. 13.</a:t>
+              <a:t>2021. 09. 16.</a:t>
             </a:fld>
             <a:endParaRPr lang="hu-HU"/>
           </a:p>
@@ -5305,7 +5311,7 @@
           <a:p>
             <a:fld id="{C0A0C0F1-B737-468F-9C30-EA6B0215A713}" type="datetimeFigureOut">
               <a:rPr lang="hu-HU" smtClean="0"/>
-              <a:t>2021. 09. 13.</a:t>
+              <a:t>2021. 09. 16.</a:t>
             </a:fld>
             <a:endParaRPr lang="hu-HU"/>
           </a:p>
@@ -5858,7 +5864,7 @@
         <p:spPr>
           <a:xfrm>
             <a:off x="-465436" y="0"/>
-            <a:ext cx="3875901" cy="6858000"/>
+            <a:ext cx="4048896" cy="6858000"/>
           </a:xfrm>
           <a:prstGeom prst="rect">
             <a:avLst/>
@@ -5889,7 +5895,7 @@
         </p:spPr>
         <p:txBody>
           <a:bodyPr>
-            <a:normAutofit fontScale="90000"/>
+            <a:normAutofit/>
           </a:bodyPr>
           <a:lstStyle/>
           <a:p>
@@ -5901,10 +5907,7 @@
             <a:br>
               <a:rPr lang="hu-HU" sz="4800" dirty="0"/>
             </a:br>
-            <a:r>
-              <a:rPr lang="hu-HU" sz="4800" dirty="0"/>
-              <a:t>(TORZ A KÉPEM A KAMERÁBAN)</a:t>
-            </a:r>
+            <a:endParaRPr lang="hu-HU" sz="4800" dirty="0"/>
           </a:p>
         </p:txBody>
       </p:sp>
@@ -6064,17 +6067,19 @@
         </p:nvSpPr>
         <p:spPr>
           <a:xfrm>
-            <a:off x="-1620795" y="291754"/>
-            <a:ext cx="10515600" cy="1325563"/>
+            <a:off x="-1786923" y="518615"/>
+            <a:ext cx="10515600" cy="1117946"/>
           </a:xfrm>
         </p:spPr>
         <p:txBody>
-          <a:bodyPr/>
+          <a:bodyPr>
+            <a:normAutofit/>
+          </a:bodyPr>
           <a:lstStyle/>
           <a:p>
             <a:pPr algn="ctr"/>
             <a:r>
-              <a:rPr lang="hu-HU" dirty="0"/>
+              <a:rPr lang="hu-HU" sz="4400" dirty="0"/>
               <a:t>Kedvenc hobbim a kosár </a:t>
             </a:r>
           </a:p>
@@ -6126,14 +6131,21 @@
             <p:ph type="title"/>
           </p:nvPr>
         </p:nvSpPr>
-        <p:spPr/>
-        <p:txBody>
-          <a:bodyPr/>
+        <p:spPr>
+          <a:xfrm>
+            <a:off x="626534" y="165100"/>
+            <a:ext cx="8596668" cy="1320800"/>
+          </a:xfrm>
+        </p:spPr>
+        <p:txBody>
+          <a:bodyPr>
+            <a:normAutofit/>
+          </a:bodyPr>
           <a:lstStyle/>
           <a:p>
             <a:pPr algn="ctr"/>
             <a:r>
-              <a:rPr lang="hu-HU" dirty="0"/>
+              <a:rPr lang="hu-HU" sz="6000" dirty="0"/>
               <a:t>És a foci </a:t>
             </a:r>
           </a:p>
@@ -6167,7 +6179,7 @@
         </p:blipFill>
         <p:spPr>
           <a:xfrm>
-            <a:off x="1777086" y="1270000"/>
+            <a:off x="1789786" y="1282700"/>
             <a:ext cx="6675966" cy="5140410"/>
           </a:xfrm>
           <a:prstGeom prst="rect">
@@ -6228,12 +6240,14 @@
           </a:xfrm>
         </p:spPr>
         <p:txBody>
-          <a:bodyPr/>
+          <a:bodyPr>
+            <a:normAutofit/>
+          </a:bodyPr>
           <a:lstStyle/>
           <a:p>
             <a:pPr algn="ctr"/>
             <a:r>
-              <a:rPr lang="hu-HU" dirty="0"/>
+              <a:rPr lang="hu-HU" sz="5400" dirty="0"/>
               <a:t>Szeretem az informatikát </a:t>
             </a:r>
           </a:p>
@@ -6333,8 +6347,8 @@
         </p:blipFill>
         <p:spPr>
           <a:xfrm>
-            <a:off x="0" y="0"/>
-            <a:ext cx="12192000" cy="6858000"/>
+            <a:off x="4965700" y="2793205"/>
+            <a:ext cx="7226300" cy="4064795"/>
           </a:xfrm>
           <a:prstGeom prst="rect">
             <a:avLst/>
@@ -6359,17 +6373,18 @@
         </p:nvSpPr>
         <p:spPr>
           <a:xfrm>
-            <a:off x="1245745" y="350108"/>
+            <a:off x="-113155" y="-145192"/>
             <a:ext cx="8800298" cy="1320800"/>
           </a:xfrm>
         </p:spPr>
         <p:txBody>
-          <a:bodyPr/>
-          <a:lstStyle/>
-          <a:p>
-            <a:pPr algn="ctr"/>
-            <a:r>
-              <a:rPr lang="hu-HU" dirty="0">
+          <a:bodyPr>
+            <a:noAutofit/>
+          </a:bodyPr>
+          <a:lstStyle/>
+          <a:p>
+            <a:r>
+              <a:rPr lang="hu-HU" sz="5400" dirty="0">
                 <a:solidFill>
                   <a:schemeClr val="tx1"/>
                 </a:solidFill>
@@ -6377,14 +6392,14 @@
               <a:t>A matek nem tartozik a kedvenceim közé</a:t>
             </a:r>
             <a:br>
-              <a:rPr lang="hu-HU" dirty="0">
+              <a:rPr lang="hu-HU" sz="5400" dirty="0">
                 <a:solidFill>
                   <a:schemeClr val="tx1"/>
                 </a:solidFill>
               </a:rPr>
             </a:br>
             <a:r>
-              <a:rPr lang="hu-HU" dirty="0">
+              <a:rPr lang="hu-HU" sz="5400" dirty="0">
                 <a:solidFill>
                   <a:schemeClr val="tx1"/>
                 </a:solidFill>
@@ -6426,6 +6441,99 @@
       </p:grpSpPr>
       <p:sp>
         <p:nvSpPr>
+          <p:cNvPr id="2" name="Cím 1"/>
+          <p:cNvSpPr>
+            <a:spLocks noGrp="1"/>
+          </p:cNvSpPr>
+          <p:nvPr>
+            <p:ph type="title"/>
+          </p:nvPr>
+        </p:nvSpPr>
+        <p:spPr>
+          <a:xfrm>
+            <a:off x="2937934" y="546100"/>
+            <a:ext cx="3894666" cy="1320800"/>
+          </a:xfrm>
+        </p:spPr>
+        <p:txBody>
+          <a:bodyPr>
+            <a:normAutofit fontScale="90000"/>
+          </a:bodyPr>
+          <a:lstStyle/>
+          <a:p>
+            <a:pPr algn="ctr"/>
+            <a:r>
+              <a:rPr lang="hu-HU" dirty="0" smtClean="0"/>
+              <a:t>A </a:t>
+            </a:r>
+            <a:r>
+              <a:rPr lang="hu-HU" dirty="0" err="1" smtClean="0"/>
+              <a:t>Felsőpakonyi</a:t>
+            </a:r>
+            <a:r>
+              <a:rPr lang="hu-HU" dirty="0" smtClean="0"/>
+              <a:t> általános iskolában tanultam </a:t>
+            </a:r>
+            <a:endParaRPr lang="hu-HU" dirty="0"/>
+          </a:p>
+        </p:txBody>
+      </p:sp>
+      <p:pic>
+        <p:nvPicPr>
+          <p:cNvPr id="3" name="Kép 2"/>
+          <p:cNvPicPr>
+            <a:picLocks noChangeAspect="1"/>
+          </p:cNvPicPr>
+          <p:nvPr/>
+        </p:nvPicPr>
+        <p:blipFill>
+          <a:blip r:embed="rId2"/>
+          <a:stretch>
+            <a:fillRect/>
+          </a:stretch>
+        </p:blipFill>
+        <p:spPr>
+          <a:xfrm>
+            <a:off x="2040467" y="2590800"/>
+            <a:ext cx="6728614" cy="3225800"/>
+          </a:xfrm>
+          <a:prstGeom prst="rect">
+            <a:avLst/>
+          </a:prstGeom>
+        </p:spPr>
+      </p:pic>
+    </p:spTree>
+    <p:extLst>
+      <p:ext uri="{BB962C8B-B14F-4D97-AF65-F5344CB8AC3E}">
+        <p14:creationId xmlns:p14="http://schemas.microsoft.com/office/powerpoint/2010/main" val="4022467733"/>
+      </p:ext>
+    </p:extLst>
+  </p:cSld>
+  <p:clrMapOvr>
+    <a:masterClrMapping/>
+  </p:clrMapOvr>
+</p:sld>
+</file>
+
+<file path=ppt/slides/slide7.xml><?xml version="1.0" encoding="utf-8"?>
+<p:sld xmlns:a="http://schemas.openxmlformats.org/drawingml/2006/main" xmlns:r="http://schemas.openxmlformats.org/officeDocument/2006/relationships" xmlns:p="http://schemas.openxmlformats.org/presentationml/2006/main">
+  <p:cSld>
+    <p:spTree>
+      <p:nvGrpSpPr>
+        <p:cNvPr id="1" name=""/>
+        <p:cNvGrpSpPr/>
+        <p:nvPr/>
+      </p:nvGrpSpPr>
+      <p:grpSpPr>
+        <a:xfrm>
+          <a:off x="0" y="0"/>
+          <a:ext cx="0" cy="0"/>
+          <a:chOff x="0" y="0"/>
+          <a:chExt cx="0" cy="0"/>
+        </a:xfrm>
+      </p:grpSpPr>
+      <p:sp>
+        <p:nvSpPr>
           <p:cNvPr id="2" name="Cím 1">
             <a:extLst>
               <a:ext uri="{FF2B5EF4-FFF2-40B4-BE49-F238E27FC236}">
@@ -6460,34 +6568,22 @@
       </p:sp>
       <p:pic>
         <p:nvPicPr>
-          <p:cNvPr id="4" name="Kép 3">
-            <a:extLst>
-              <a:ext uri="{FF2B5EF4-FFF2-40B4-BE49-F238E27FC236}">
-                <a16:creationId xmlns:a16="http://schemas.microsoft.com/office/drawing/2014/main" id="{0DA03F2B-6ED2-4F52-BC49-D66DE7EF72C0}"/>
-              </a:ext>
-            </a:extLst>
-          </p:cNvPr>
+          <p:cNvPr id="3" name="Kép 2"/>
           <p:cNvPicPr>
             <a:picLocks noChangeAspect="1"/>
           </p:cNvPicPr>
           <p:nvPr/>
         </p:nvPicPr>
         <p:blipFill>
-          <a:blip r:embed="rId2">
-            <a:extLst>
-              <a:ext uri="{28A0092B-C50C-407E-A947-70E740481C1C}">
-                <a14:useLocalDpi xmlns:a14="http://schemas.microsoft.com/office/drawing/2010/main" val="0"/>
-              </a:ext>
-            </a:extLst>
-          </a:blip>
+          <a:blip r:embed="rId2"/>
           <a:stretch>
             <a:fillRect/>
           </a:stretch>
         </p:blipFill>
         <p:spPr>
           <a:xfrm>
-            <a:off x="1093831" y="1071053"/>
-            <a:ext cx="7698258" cy="4390633"/>
+            <a:off x="1122849" y="1409700"/>
+            <a:ext cx="6662251" cy="3639070"/>
           </a:xfrm>
           <a:prstGeom prst="rect">
             <a:avLst/>

--- a/Mészáros Levente/EZ VAGYOK  ÉN.pptx
+++ b/Mészáros Levente/EZ VAGYOK  ÉN.pptx
@@ -6550,7 +6550,7 @@
         </p:nvSpPr>
         <p:spPr>
           <a:xfrm>
-            <a:off x="195421" y="226540"/>
+            <a:off x="776334" y="190525"/>
             <a:ext cx="8596668" cy="1320800"/>
           </a:xfrm>
         </p:spPr>
@@ -6582,8 +6582,32 @@
         </p:blipFill>
         <p:spPr>
           <a:xfrm>
-            <a:off x="1122849" y="1409700"/>
-            <a:ext cx="6662251" cy="3639070"/>
+            <a:off x="105103" y="1233976"/>
+            <a:ext cx="4202556" cy="2533550"/>
+          </a:xfrm>
+          <a:prstGeom prst="rect">
+            <a:avLst/>
+          </a:prstGeom>
+        </p:spPr>
+      </p:pic>
+      <p:pic>
+        <p:nvPicPr>
+          <p:cNvPr id="4" name="Kép 3"/>
+          <p:cNvPicPr>
+            <a:picLocks noChangeAspect="1"/>
+          </p:cNvPicPr>
+          <p:nvPr/>
+        </p:nvPicPr>
+        <p:blipFill>
+          <a:blip r:embed="rId3"/>
+          <a:stretch>
+            <a:fillRect/>
+          </a:stretch>
+        </p:blipFill>
+        <p:spPr>
+          <a:xfrm>
+            <a:off x="4406831" y="956030"/>
+            <a:ext cx="4498840" cy="4498840"/>
           </a:xfrm>
           <a:prstGeom prst="rect">
             <a:avLst/>
